--- a/Presentations/3rd Workshop/SU2 Surrogate Design.pptx
+++ b/Presentations/3rd Workshop/SU2 Surrogate Design.pptx
@@ -164,7 +164,7 @@
   </p:defaultTextStyle>
   <p:extLst>
     <p:ext uri="{521415D9-36F7-43E2-AB2F-B90AF26B5E84}">
-      <p14:sectionLst xmlns:p14="http://schemas.microsoft.com/office/powerpoint/2010/main">
+      <p14:sectionLst xmlns:p14="http://schemas.microsoft.com/office/powerpoint/2010/main" xmlns="">
         <p14:section name="Title" id="{87447297-A598-9246-9E1B-6A028E76E62D}">
           <p14:sldIdLst>
             <p14:sldId id="304"/>
@@ -195,7 +195,7 @@
       </p14:sectionLst>
     </p:ext>
     <p:ext uri="{EFAFB233-063F-42B5-8137-9DF3F51BA10A}">
-      <p15:sldGuideLst xmlns:p15="http://schemas.microsoft.com/office/powerpoint/2012/main">
+      <p15:sldGuideLst xmlns:p15="http://schemas.microsoft.com/office/powerpoint/2012/main" xmlns="">
         <p15:guide id="1" orient="horz" pos="645">
           <p15:clr>
             <a:srgbClr val="A4A3A4"/>
@@ -323,7 +323,7 @@
               <a:pPr>
                 <a:defRPr/>
               </a:pPr>
-              <a:t>9/28/2014</a:t>
+              <a:t>9/29/2014</a:t>
             </a:fld>
             <a:endParaRPr lang="en-US" dirty="0"/>
           </a:p>
@@ -427,7 +427,7 @@
     </p:spTree>
     <p:extLst>
       <p:ext uri="{BB962C8B-B14F-4D97-AF65-F5344CB8AC3E}">
-        <p14:creationId xmlns:p14="http://schemas.microsoft.com/office/powerpoint/2010/main" val="327532819"/>
+        <p14:creationId xmlns:p14="http://schemas.microsoft.com/office/powerpoint/2010/main" xmlns="" val="327532819"/>
       </p:ext>
     </p:extLst>
   </p:cSld>
@@ -547,7 +547,7 @@
               <a:pPr>
                 <a:defRPr/>
               </a:pPr>
-              <a:t>9/28/2014</a:t>
+              <a:t>9/29/2014</a:t>
             </a:fld>
             <a:endParaRPr lang="en-US" dirty="0"/>
           </a:p>
@@ -747,7 +747,7 @@
     </p:spTree>
     <p:extLst>
       <p:ext uri="{BB962C8B-B14F-4D97-AF65-F5344CB8AC3E}">
-        <p14:creationId xmlns:p14="http://schemas.microsoft.com/office/powerpoint/2010/main" val="2591308891"/>
+        <p14:creationId xmlns:p14="http://schemas.microsoft.com/office/powerpoint/2010/main" xmlns="" val="2591308891"/>
       </p:ext>
     </p:extLst>
   </p:cSld>
@@ -929,7 +929,7 @@
     </p:spTree>
     <p:extLst>
       <p:ext uri="{BB962C8B-B14F-4D97-AF65-F5344CB8AC3E}">
-        <p14:creationId xmlns:p14="http://schemas.microsoft.com/office/powerpoint/2010/main" val="2047610121"/>
+        <p14:creationId xmlns:p14="http://schemas.microsoft.com/office/powerpoint/2010/main" xmlns="" val="2047610121"/>
       </p:ext>
     </p:extLst>
   </p:cSld>
@@ -1077,7 +1077,7 @@
     </p:spTree>
     <p:extLst>
       <p:ext uri="{BB962C8B-B14F-4D97-AF65-F5344CB8AC3E}">
-        <p14:creationId xmlns:p14="http://schemas.microsoft.com/office/powerpoint/2010/main" val="2640115121"/>
+        <p14:creationId xmlns:p14="http://schemas.microsoft.com/office/powerpoint/2010/main" xmlns="" val="2640115121"/>
       </p:ext>
     </p:extLst>
   </p:cSld>
@@ -1138,7 +1138,7 @@
     </p:spTree>
     <p:extLst>
       <p:ext uri="{BB962C8B-B14F-4D97-AF65-F5344CB8AC3E}">
-        <p14:creationId xmlns:p14="http://schemas.microsoft.com/office/powerpoint/2010/main" val="1576584459"/>
+        <p14:creationId xmlns:p14="http://schemas.microsoft.com/office/powerpoint/2010/main" xmlns="" val="1576584459"/>
       </p:ext>
     </p:extLst>
   </p:cSld>
@@ -1231,7 +1231,7 @@
           <a:blip r:embed="rId2">
             <a:extLst>
               <a:ext uri="{28A0092B-C50C-407E-A947-70E740481C1C}">
-                <a14:useLocalDpi xmlns:a14="http://schemas.microsoft.com/office/drawing/2010/main"/>
+                <a14:useLocalDpi xmlns:a14="http://schemas.microsoft.com/office/drawing/2010/main" xmlns=""/>
               </a:ext>
             </a:extLst>
           </a:blip>
@@ -1254,14 +1254,14 @@
           </a:ln>
           <a:extLst>
             <a:ext uri="{909E8E84-426E-40dd-AFC4-6F175D3DCCD1}">
-              <a14:hiddenFill xmlns:a14="http://schemas.microsoft.com/office/drawing/2010/main" xmlns="">
+              <a14:hiddenFill xmlns="" xmlns:a14="http://schemas.microsoft.com/office/drawing/2010/main">
                 <a:solidFill>
                   <a:srgbClr val="FFFFFF"/>
                 </a:solidFill>
               </a14:hiddenFill>
             </a:ext>
             <a:ext uri="{91240B29-F687-4f45-9708-019B960494DF}">
-              <a14:hiddenLine xmlns:a14="http://schemas.microsoft.com/office/drawing/2010/main" xmlns="" w="9525">
+              <a14:hiddenLine xmlns="" xmlns:a14="http://schemas.microsoft.com/office/drawing/2010/main" w="9525">
                 <a:solidFill>
                   <a:srgbClr val="000000"/>
                 </a:solidFill>
@@ -1533,7 +1533,7 @@
           <a:blip r:embed="rId4">
             <a:extLst>
               <a:ext uri="{28A0092B-C50C-407E-A947-70E740481C1C}">
-                <a14:useLocalDpi xmlns:a14="http://schemas.microsoft.com/office/drawing/2010/main" val="0"/>
+                <a14:useLocalDpi xmlns:a14="http://schemas.microsoft.com/office/drawing/2010/main" xmlns="" val="0"/>
               </a:ext>
             </a:extLst>
           </a:blip>
@@ -1554,7 +1554,7 @@
     </p:spTree>
     <p:extLst>
       <p:ext uri="{BB962C8B-B14F-4D97-AF65-F5344CB8AC3E}">
-        <p14:creationId xmlns:p14="http://schemas.microsoft.com/office/powerpoint/2010/main" val="566931608"/>
+        <p14:creationId xmlns:p14="http://schemas.microsoft.com/office/powerpoint/2010/main" xmlns="" val="566931608"/>
       </p:ext>
     </p:extLst>
   </p:cSld>
@@ -1650,7 +1650,7 @@
           <a:blip r:embed="rId2">
             <a:extLst>
               <a:ext uri="{28A0092B-C50C-407E-A947-70E740481C1C}">
-                <a14:useLocalDpi xmlns:a14="http://schemas.microsoft.com/office/drawing/2010/main"/>
+                <a14:useLocalDpi xmlns:a14="http://schemas.microsoft.com/office/drawing/2010/main" xmlns=""/>
               </a:ext>
             </a:extLst>
           </a:blip>
@@ -1673,14 +1673,14 @@
           </a:ln>
           <a:extLst>
             <a:ext uri="{909E8E84-426E-40dd-AFC4-6F175D3DCCD1}">
-              <a14:hiddenFill xmlns:a14="http://schemas.microsoft.com/office/drawing/2010/main" xmlns="">
+              <a14:hiddenFill xmlns="" xmlns:a14="http://schemas.microsoft.com/office/drawing/2010/main">
                 <a:solidFill>
                   <a:srgbClr val="FFFFFF"/>
                 </a:solidFill>
               </a14:hiddenFill>
             </a:ext>
             <a:ext uri="{91240B29-F687-4f45-9708-019B960494DF}">
-              <a14:hiddenLine xmlns:a14="http://schemas.microsoft.com/office/drawing/2010/main" xmlns="" w="9525">
+              <a14:hiddenLine xmlns="" xmlns:a14="http://schemas.microsoft.com/office/drawing/2010/main" w="9525">
                 <a:solidFill>
                   <a:srgbClr val="000000"/>
                 </a:solidFill>
@@ -1802,7 +1802,7 @@
           <a:blip r:embed="rId4">
             <a:extLst>
               <a:ext uri="{28A0092B-C50C-407E-A947-70E740481C1C}">
-                <a14:useLocalDpi xmlns:a14="http://schemas.microsoft.com/office/drawing/2010/main" val="0"/>
+                <a14:useLocalDpi xmlns:a14="http://schemas.microsoft.com/office/drawing/2010/main" xmlns="" val="0"/>
               </a:ext>
             </a:extLst>
           </a:blip>
@@ -1823,7 +1823,7 @@
     </p:spTree>
     <p:extLst>
       <p:ext uri="{BB962C8B-B14F-4D97-AF65-F5344CB8AC3E}">
-        <p14:creationId xmlns:p14="http://schemas.microsoft.com/office/powerpoint/2010/main" val="2466416478"/>
+        <p14:creationId xmlns:p14="http://schemas.microsoft.com/office/powerpoint/2010/main" xmlns="" val="2466416478"/>
       </p:ext>
     </p:extLst>
   </p:cSld>
@@ -1952,7 +1952,7 @@
     </p:spTree>
     <p:extLst>
       <p:ext uri="{BB962C8B-B14F-4D97-AF65-F5344CB8AC3E}">
-        <p14:creationId xmlns:p14="http://schemas.microsoft.com/office/powerpoint/2010/main" val="2684090790"/>
+        <p14:creationId xmlns:p14="http://schemas.microsoft.com/office/powerpoint/2010/main" xmlns="" val="2684090790"/>
       </p:ext>
     </p:extLst>
   </p:cSld>
@@ -2204,7 +2204,7 @@
     </p:spTree>
     <p:extLst>
       <p:ext uri="{BB962C8B-B14F-4D97-AF65-F5344CB8AC3E}">
-        <p14:creationId xmlns:p14="http://schemas.microsoft.com/office/powerpoint/2010/main" val="3545375579"/>
+        <p14:creationId xmlns:p14="http://schemas.microsoft.com/office/powerpoint/2010/main" xmlns="" val="3545375579"/>
       </p:ext>
     </p:extLst>
   </p:cSld>
@@ -2390,7 +2390,7 @@
     </p:spTree>
     <p:extLst>
       <p:ext uri="{BB962C8B-B14F-4D97-AF65-F5344CB8AC3E}">
-        <p14:creationId xmlns:p14="http://schemas.microsoft.com/office/powerpoint/2010/main" val="4029413931"/>
+        <p14:creationId xmlns:p14="http://schemas.microsoft.com/office/powerpoint/2010/main" xmlns="" val="4029413931"/>
       </p:ext>
     </p:extLst>
   </p:cSld>
@@ -2633,7 +2633,7 @@
     </p:spTree>
     <p:extLst>
       <p:ext uri="{BB962C8B-B14F-4D97-AF65-F5344CB8AC3E}">
-        <p14:creationId xmlns:p14="http://schemas.microsoft.com/office/powerpoint/2010/main" val="101297635"/>
+        <p14:creationId xmlns:p14="http://schemas.microsoft.com/office/powerpoint/2010/main" xmlns="" val="101297635"/>
       </p:ext>
     </p:extLst>
   </p:cSld>
@@ -2933,7 +2933,7 @@
     </p:spTree>
     <p:extLst>
       <p:ext uri="{BB962C8B-B14F-4D97-AF65-F5344CB8AC3E}">
-        <p14:creationId xmlns:p14="http://schemas.microsoft.com/office/powerpoint/2010/main" val="3701900616"/>
+        <p14:creationId xmlns:p14="http://schemas.microsoft.com/office/powerpoint/2010/main" xmlns="" val="3701900616"/>
       </p:ext>
     </p:extLst>
   </p:cSld>
@@ -3098,7 +3098,7 @@
     </p:spTree>
     <p:extLst>
       <p:ext uri="{BB962C8B-B14F-4D97-AF65-F5344CB8AC3E}">
-        <p14:creationId xmlns:p14="http://schemas.microsoft.com/office/powerpoint/2010/main" val="2649877372"/>
+        <p14:creationId xmlns:p14="http://schemas.microsoft.com/office/powerpoint/2010/main" xmlns="" val="2649877372"/>
       </p:ext>
     </p:extLst>
   </p:cSld>
@@ -3144,7 +3144,7 @@
             <a:alphaModFix amt="20000"/>
             <a:extLst>
               <a:ext uri="{28A0092B-C50C-407E-A947-70E740481C1C}">
-                <a14:useLocalDpi xmlns:a14="http://schemas.microsoft.com/office/drawing/2010/main" val="0"/>
+                <a14:useLocalDpi xmlns:a14="http://schemas.microsoft.com/office/drawing/2010/main" xmlns="" val="0"/>
               </a:ext>
             </a:extLst>
           </a:blip>
@@ -3186,14 +3186,14 @@
           </a:ln>
           <a:extLst>
             <a:ext uri="{909E8E84-426E-40dd-AFC4-6F175D3DCCD1}">
-              <a14:hiddenFill xmlns:a14="http://schemas.microsoft.com/office/drawing/2010/main" xmlns="">
+              <a14:hiddenFill xmlns="" xmlns:a14="http://schemas.microsoft.com/office/drawing/2010/main">
                 <a:solidFill>
                   <a:srgbClr val="FFFFFF"/>
                 </a:solidFill>
               </a14:hiddenFill>
             </a:ext>
             <a:ext uri="{91240B29-F687-4f45-9708-019B960494DF}">
-              <a14:hiddenLine xmlns:a14="http://schemas.microsoft.com/office/drawing/2010/main" xmlns="" w="9525">
+              <a14:hiddenLine xmlns="" xmlns:a14="http://schemas.microsoft.com/office/drawing/2010/main" w="9525">
                 <a:solidFill>
                   <a:srgbClr val="000000"/>
                 </a:solidFill>
@@ -3203,7 +3203,7 @@
               </a14:hiddenLine>
             </a:ext>
             <a:ext uri="{FAA26D3D-D897-4be2-8F04-BA451C77F1D7}">
-              <ma14:placeholderFlag xmlns:ma14="http://schemas.microsoft.com/office/mac/drawingml/2011/main" xmlns="" val="1"/>
+              <ma14:placeholderFlag xmlns="" xmlns:ma14="http://schemas.microsoft.com/office/mac/drawingml/2011/main" val="1"/>
             </a:ext>
           </a:extLst>
         </p:spPr>
@@ -3353,7 +3353,7 @@
           <a:blip r:embed="rId11">
             <a:extLst>
               <a:ext uri="{28A0092B-C50C-407E-A947-70E740481C1C}">
-                <a14:useLocalDpi xmlns:a14="http://schemas.microsoft.com/office/drawing/2010/main"/>
+                <a14:useLocalDpi xmlns:a14="http://schemas.microsoft.com/office/drawing/2010/main" xmlns=""/>
               </a:ext>
             </a:extLst>
           </a:blip>
@@ -3376,14 +3376,14 @@
           </a:ln>
           <a:extLst>
             <a:ext uri="{909E8E84-426E-40dd-AFC4-6F175D3DCCD1}">
-              <a14:hiddenFill xmlns:a14="http://schemas.microsoft.com/office/drawing/2010/main" xmlns="">
+              <a14:hiddenFill xmlns="" xmlns:a14="http://schemas.microsoft.com/office/drawing/2010/main">
                 <a:solidFill>
                   <a:srgbClr val="FFFFFF"/>
                 </a:solidFill>
               </a14:hiddenFill>
             </a:ext>
             <a:ext uri="{91240B29-F687-4f45-9708-019B960494DF}">
-              <a14:hiddenLine xmlns:a14="http://schemas.microsoft.com/office/drawing/2010/main" xmlns="" w="9525">
+              <a14:hiddenLine xmlns="" xmlns:a14="http://schemas.microsoft.com/office/drawing/2010/main" w="9525">
                 <a:solidFill>
                   <a:srgbClr val="000000"/>
                 </a:solidFill>
@@ -3431,7 +3431,7 @@
           <a:blip r:embed="rId13">
             <a:extLst>
               <a:ext uri="{28A0092B-C50C-407E-A947-70E740481C1C}">
-                <a14:useLocalDpi xmlns:a14="http://schemas.microsoft.com/office/drawing/2010/main" val="0"/>
+                <a14:useLocalDpi xmlns:a14="http://schemas.microsoft.com/office/drawing/2010/main" xmlns="" val="0"/>
               </a:ext>
             </a:extLst>
           </a:blip>
@@ -4024,11 +4024,11 @@
   <p:clrMapOvr>
     <a:masterClrMapping/>
   </p:clrMapOvr>
-  <mc:AlternateContent xmlns:mc="http://schemas.openxmlformats.org/markup-compatibility/2006" xmlns:p14="http://schemas.microsoft.com/office/powerpoint/2010/main">
-    <mc:Choice Requires="p14">
+  <mc:AlternateContent xmlns:mc="http://schemas.openxmlformats.org/markup-compatibility/2006">
+    <mc:Choice xmlns:p14="http://schemas.microsoft.com/office/powerpoint/2010/main" xmlns="" Requires="p14">
       <p:transition p14:dur="0" advTm="55624"/>
     </mc:Choice>
-    <mc:Fallback xmlns="">
+    <mc:Fallback>
       <p:transition advTm="55624"/>
     </mc:Fallback>
   </mc:AlternateContent>
@@ -4178,8 +4178,8 @@
         </p:blipFill>
         <p:spPr bwMode="auto">
           <a:xfrm>
-            <a:off x="955678" y="2332567"/>
-            <a:ext cx="5639289" cy="2568163"/>
+            <a:off x="948777" y="2332568"/>
+            <a:ext cx="5731942" cy="2610357"/>
           </a:xfrm>
           <a:prstGeom prst="rect">
             <a:avLst/>
@@ -4198,11 +4198,11 @@
   <p:clrMapOvr>
     <a:masterClrMapping/>
   </p:clrMapOvr>
-  <mc:AlternateContent xmlns:mc="http://schemas.openxmlformats.org/markup-compatibility/2006" xmlns:p14="http://schemas.microsoft.com/office/powerpoint/2010/main">
-    <mc:Choice Requires="p14">
+  <mc:AlternateContent xmlns:mc="http://schemas.openxmlformats.org/markup-compatibility/2006">
+    <mc:Choice xmlns:p14="http://schemas.microsoft.com/office/powerpoint/2010/main" xmlns="" Requires="p14">
       <p:transition p14:dur="0"/>
     </mc:Choice>
-    <mc:Fallback xmlns="">
+    <mc:Fallback>
       <p:transition/>
     </mc:Fallback>
   </mc:AlternateContent>
@@ -4266,7 +4266,12 @@
             <p:ph sz="quarter" idx="10"/>
           </p:nvPr>
         </p:nvSpPr>
-        <p:spPr/>
+        <p:spPr>
+          <a:xfrm>
+            <a:off x="955678" y="1211580"/>
+            <a:ext cx="7700963" cy="5012056"/>
+          </a:xfrm>
+        </p:spPr>
         <p:txBody>
           <a:bodyPr/>
           <a:lstStyle/>
@@ -4281,7 +4286,7 @@
       </p:sp>
       <p:pic>
         <p:nvPicPr>
-          <p:cNvPr id="5" name="Picture 3"/>
+          <p:cNvPr id="1027" name="Picture 3"/>
           <p:cNvPicPr>
             <a:picLocks noChangeAspect="1" noChangeArrowheads="1"/>
           </p:cNvPicPr>
@@ -4296,8 +4301,8 @@
         </p:blipFill>
         <p:spPr bwMode="auto">
           <a:xfrm>
-            <a:off x="955678" y="1888173"/>
-            <a:ext cx="6424217" cy="3657917"/>
+            <a:off x="955678" y="1883517"/>
+            <a:ext cx="6424835" cy="3765756"/>
           </a:xfrm>
           <a:prstGeom prst="rect">
             <a:avLst/>
@@ -4316,11 +4321,11 @@
   <p:clrMapOvr>
     <a:masterClrMapping/>
   </p:clrMapOvr>
-  <mc:AlternateContent xmlns:mc="http://schemas.openxmlformats.org/markup-compatibility/2006" xmlns:p14="http://schemas.microsoft.com/office/powerpoint/2010/main">
-    <mc:Choice Requires="p14">
+  <mc:AlternateContent xmlns:mc="http://schemas.openxmlformats.org/markup-compatibility/2006">
+    <mc:Choice xmlns:p14="http://schemas.microsoft.com/office/powerpoint/2010/main" xmlns="" Requires="p14">
       <p:transition p14:dur="0"/>
     </mc:Choice>
-    <mc:Fallback xmlns="">
+    <mc:Fallback>
       <p:transition/>
     </mc:Fallback>
   </mc:AlternateContent>
@@ -4907,18 +4912,18 @@
     </p:spTree>
     <p:extLst>
       <p:ext uri="{BB962C8B-B14F-4D97-AF65-F5344CB8AC3E}">
-        <p14:creationId xmlns:p14="http://schemas.microsoft.com/office/powerpoint/2010/main" val="2075393602"/>
+        <p14:creationId xmlns:p14="http://schemas.microsoft.com/office/powerpoint/2010/main" xmlns="" val="2075393602"/>
       </p:ext>
     </p:extLst>
   </p:cSld>
   <p:clrMapOvr>
     <a:masterClrMapping/>
   </p:clrMapOvr>
-  <mc:AlternateContent xmlns:mc="http://schemas.openxmlformats.org/markup-compatibility/2006" xmlns:p14="http://schemas.microsoft.com/office/powerpoint/2010/main">
-    <mc:Choice Requires="p14">
+  <mc:AlternateContent xmlns:mc="http://schemas.openxmlformats.org/markup-compatibility/2006">
+    <mc:Choice xmlns:p14="http://schemas.microsoft.com/office/powerpoint/2010/main" xmlns="" Requires="p14">
       <p:transition p14:dur="0"/>
     </mc:Choice>
-    <mc:Fallback xmlns="">
+    <mc:Fallback>
       <p:transition/>
     </mc:Fallback>
   </mc:AlternateContent>
@@ -5451,18 +5456,18 @@
     </p:spTree>
     <p:extLst>
       <p:ext uri="{BB962C8B-B14F-4D97-AF65-F5344CB8AC3E}">
-        <p14:creationId xmlns:p14="http://schemas.microsoft.com/office/powerpoint/2010/main" val="351933584"/>
+        <p14:creationId xmlns:p14="http://schemas.microsoft.com/office/powerpoint/2010/main" xmlns="" val="351933584"/>
       </p:ext>
     </p:extLst>
   </p:cSld>
   <p:clrMapOvr>
     <a:masterClrMapping/>
   </p:clrMapOvr>
-  <mc:AlternateContent xmlns:mc="http://schemas.openxmlformats.org/markup-compatibility/2006" xmlns:p14="http://schemas.microsoft.com/office/powerpoint/2010/main">
-    <mc:Choice Requires="p14">
+  <mc:AlternateContent xmlns:mc="http://schemas.openxmlformats.org/markup-compatibility/2006">
+    <mc:Choice xmlns:p14="http://schemas.microsoft.com/office/powerpoint/2010/main" xmlns="" Requires="p14">
       <p:transition p14:dur="0"/>
     </mc:Choice>
-    <mc:Fallback xmlns="">
+    <mc:Fallback>
       <p:transition/>
     </mc:Fallback>
   </mc:AlternateContent>
@@ -5856,18 +5861,18 @@
     </p:spTree>
     <p:extLst>
       <p:ext uri="{BB962C8B-B14F-4D97-AF65-F5344CB8AC3E}">
-        <p14:creationId xmlns:p14="http://schemas.microsoft.com/office/powerpoint/2010/main" val="40226353"/>
+        <p14:creationId xmlns:p14="http://schemas.microsoft.com/office/powerpoint/2010/main" xmlns="" val="40226353"/>
       </p:ext>
     </p:extLst>
   </p:cSld>
   <p:clrMapOvr>
     <a:masterClrMapping/>
   </p:clrMapOvr>
-  <mc:AlternateContent xmlns:mc="http://schemas.openxmlformats.org/markup-compatibility/2006" xmlns:p14="http://schemas.microsoft.com/office/powerpoint/2010/main">
-    <mc:Choice Requires="p14">
+  <mc:AlternateContent xmlns:mc="http://schemas.openxmlformats.org/markup-compatibility/2006">
+    <mc:Choice xmlns:p14="http://schemas.microsoft.com/office/powerpoint/2010/main" xmlns="" Requires="p14">
       <p:transition p14:dur="0"/>
     </mc:Choice>
-    <mc:Fallback xmlns="">
+    <mc:Fallback>
       <p:transition/>
     </mc:Fallback>
   </mc:AlternateContent>
@@ -6010,11 +6015,11 @@
   <p:clrMapOvr>
     <a:masterClrMapping/>
   </p:clrMapOvr>
-  <mc:AlternateContent xmlns:mc="http://schemas.openxmlformats.org/markup-compatibility/2006" xmlns:p14="http://schemas.microsoft.com/office/powerpoint/2010/main">
-    <mc:Choice Requires="p14">
+  <mc:AlternateContent xmlns:mc="http://schemas.openxmlformats.org/markup-compatibility/2006">
+    <mc:Choice xmlns:p14="http://schemas.microsoft.com/office/powerpoint/2010/main" xmlns="" Requires="p14">
       <p:transition p14:dur="0"/>
     </mc:Choice>
-    <mc:Fallback xmlns="">
+    <mc:Fallback>
       <p:transition/>
     </mc:Fallback>
   </mc:AlternateContent>
@@ -6337,7 +6342,27 @@
             </a:r>
             <a:r>
               <a:rPr lang="en-US" sz="2000" i="1" dirty="0" smtClean="0"/>
-              <a:t> is an optimization toolbox for surrogate modeling</a:t>
+              <a:t> is </a:t>
+            </a:r>
+            <a:r>
+              <a:rPr lang="en-US" sz="2000" i="1" dirty="0" smtClean="0"/>
+              <a:t>a toolbox </a:t>
+            </a:r>
+            <a:r>
+              <a:rPr lang="en-US" sz="2000" i="1" dirty="0" smtClean="0"/>
+              <a:t>for </a:t>
+            </a:r>
+            <a:r>
+              <a:rPr lang="en-US" sz="2000" i="1" dirty="0" smtClean="0"/>
+              <a:t>optimization </a:t>
+            </a:r>
+            <a:r>
+              <a:rPr lang="en-US" sz="2000" i="1" dirty="0" smtClean="0"/>
+              <a:t>and surrogate </a:t>
+            </a:r>
+            <a:r>
+              <a:rPr lang="en-US" sz="2000" i="1" dirty="0" smtClean="0"/>
+              <a:t>modeling</a:t>
             </a:r>
             <a:endParaRPr lang="en-US" sz="1200" i="1" dirty="0"/>
           </a:p>
@@ -6348,11 +6373,11 @@
   <p:clrMapOvr>
     <a:masterClrMapping/>
   </p:clrMapOvr>
-  <mc:AlternateContent xmlns:mc="http://schemas.openxmlformats.org/markup-compatibility/2006" xmlns:p14="http://schemas.microsoft.com/office/powerpoint/2010/main">
-    <mc:Choice Requires="p14">
+  <mc:AlternateContent xmlns:mc="http://schemas.openxmlformats.org/markup-compatibility/2006">
+    <mc:Choice xmlns:p14="http://schemas.microsoft.com/office/powerpoint/2010/main" xmlns="" Requires="p14">
       <p:transition p14:dur="0"/>
     </mc:Choice>
-    <mc:Fallback xmlns="">
+    <mc:Fallback>
       <p:transition/>
     </mc:Fallback>
   </mc:AlternateContent>
@@ -6476,7 +6501,7 @@
       </p:sp>
       <p:pic>
         <p:nvPicPr>
-          <p:cNvPr id="5" name="Picture 3"/>
+          <p:cNvPr id="2050" name="Picture 2"/>
           <p:cNvPicPr>
             <a:picLocks noChangeAspect="1" noChangeArrowheads="1"/>
           </p:cNvPicPr>
@@ -6491,8 +6516,8 @@
         </p:blipFill>
         <p:spPr bwMode="auto">
           <a:xfrm>
-            <a:off x="948776" y="2135601"/>
-            <a:ext cx="6233701" cy="3886537"/>
+            <a:off x="974340" y="2038516"/>
+            <a:ext cx="7042444" cy="4200390"/>
           </a:xfrm>
           <a:prstGeom prst="rect">
             <a:avLst/>
@@ -6511,11 +6536,11 @@
   <p:clrMapOvr>
     <a:masterClrMapping/>
   </p:clrMapOvr>
-  <mc:AlternateContent xmlns:mc="http://schemas.openxmlformats.org/markup-compatibility/2006" xmlns:p14="http://schemas.microsoft.com/office/powerpoint/2010/main">
-    <mc:Choice Requires="p14">
+  <mc:AlternateContent xmlns:mc="http://schemas.openxmlformats.org/markup-compatibility/2006">
+    <mc:Choice xmlns:p14="http://schemas.microsoft.com/office/powerpoint/2010/main" xmlns="" Requires="p14">
       <p:transition p14:dur="0"/>
     </mc:Choice>
-    <mc:Fallback xmlns="">
+    <mc:Fallback>
       <p:transition/>
     </mc:Fallback>
   </mc:AlternateContent>
@@ -6604,7 +6629,7 @@
           <a:blip r:embed="rId2">
             <a:extLst>
               <a:ext uri="{28A0092B-C50C-407E-A947-70E740481C1C}">
-                <a14:useLocalDpi xmlns:a14="http://schemas.microsoft.com/office/drawing/2010/main" val="0"/>
+                <a14:useLocalDpi xmlns:a14="http://schemas.microsoft.com/office/drawing/2010/main" xmlns="" val="0"/>
               </a:ext>
             </a:extLst>
           </a:blip>
@@ -6624,18 +6649,18 @@
     </p:spTree>
     <p:extLst>
       <p:ext uri="{BB962C8B-B14F-4D97-AF65-F5344CB8AC3E}">
-        <p14:creationId xmlns:p14="http://schemas.microsoft.com/office/powerpoint/2010/main" val="2146337721"/>
+        <p14:creationId xmlns:p14="http://schemas.microsoft.com/office/powerpoint/2010/main" xmlns="" val="2146337721"/>
       </p:ext>
     </p:extLst>
   </p:cSld>
   <p:clrMapOvr>
     <a:masterClrMapping/>
   </p:clrMapOvr>
-  <mc:AlternateContent xmlns:mc="http://schemas.openxmlformats.org/markup-compatibility/2006" xmlns:p14="http://schemas.microsoft.com/office/powerpoint/2010/main">
-    <mc:Choice Requires="p14">
+  <mc:AlternateContent xmlns:mc="http://schemas.openxmlformats.org/markup-compatibility/2006">
+    <mc:Choice xmlns:p14="http://schemas.microsoft.com/office/powerpoint/2010/main" xmlns="" Requires="p14">
       <p:transition p14:dur="0"/>
     </mc:Choice>
-    <mc:Fallback xmlns="">
+    <mc:Fallback>
       <p:transition/>
     </mc:Fallback>
   </mc:AlternateContent>
@@ -6839,11 +6864,11 @@
   <p:clrMapOvr>
     <a:masterClrMapping/>
   </p:clrMapOvr>
-  <mc:AlternateContent xmlns:mc="http://schemas.openxmlformats.org/markup-compatibility/2006" xmlns:p14="http://schemas.microsoft.com/office/powerpoint/2010/main">
-    <mc:Choice Requires="p14">
+  <mc:AlternateContent xmlns:mc="http://schemas.openxmlformats.org/markup-compatibility/2006">
+    <mc:Choice xmlns:p14="http://schemas.microsoft.com/office/powerpoint/2010/main" xmlns="" Requires="p14">
       <p:transition p14:dur="0"/>
     </mc:Choice>
-    <mc:Fallback xmlns="">
+    <mc:Fallback>
       <p:transition/>
     </mc:Fallback>
   </mc:AlternateContent>
@@ -6942,18 +6967,18 @@
     </p:spTree>
     <p:extLst>
       <p:ext uri="{BB962C8B-B14F-4D97-AF65-F5344CB8AC3E}">
-        <p14:creationId xmlns:p14="http://schemas.microsoft.com/office/powerpoint/2010/main" val="2482514631"/>
+        <p14:creationId xmlns:p14="http://schemas.microsoft.com/office/powerpoint/2010/main" xmlns="" val="2482514631"/>
       </p:ext>
     </p:extLst>
   </p:cSld>
   <p:clrMapOvr>
     <a:masterClrMapping/>
   </p:clrMapOvr>
-  <mc:AlternateContent xmlns:mc="http://schemas.openxmlformats.org/markup-compatibility/2006" xmlns:p14="http://schemas.microsoft.com/office/powerpoint/2010/main">
-    <mc:Choice Requires="p14">
+  <mc:AlternateContent xmlns:mc="http://schemas.openxmlformats.org/markup-compatibility/2006">
+    <mc:Choice xmlns:p14="http://schemas.microsoft.com/office/powerpoint/2010/main" xmlns="" Requires="p14">
       <p:transition p14:dur="0" advTm="9613"/>
     </mc:Choice>
-    <mc:Fallback xmlns="">
+    <mc:Fallback>
       <p:transition advTm="9613"/>
     </mc:Fallback>
   </mc:AlternateContent>
@@ -7038,11 +7063,11 @@
   <p:clrMapOvr>
     <a:masterClrMapping/>
   </p:clrMapOvr>
-  <mc:AlternateContent xmlns:mc="http://schemas.openxmlformats.org/markup-compatibility/2006" xmlns:p14="http://schemas.microsoft.com/office/powerpoint/2010/main">
-    <mc:Choice Requires="p14">
+  <mc:AlternateContent xmlns:mc="http://schemas.openxmlformats.org/markup-compatibility/2006">
+    <mc:Choice xmlns:p14="http://schemas.microsoft.com/office/powerpoint/2010/main" xmlns="" Requires="p14">
       <p:transition p14:dur="0"/>
     </mc:Choice>
-    <mc:Fallback xmlns="">
+    <mc:Fallback>
       <p:transition/>
     </mc:Fallback>
   </mc:AlternateContent>
@@ -7285,18 +7310,18 @@
     </p:spTree>
     <p:extLst>
       <p:ext uri="{BB962C8B-B14F-4D97-AF65-F5344CB8AC3E}">
-        <p14:creationId xmlns:p14="http://schemas.microsoft.com/office/powerpoint/2010/main" val="2625426727"/>
+        <p14:creationId xmlns:p14="http://schemas.microsoft.com/office/powerpoint/2010/main" xmlns="" val="2625426727"/>
       </p:ext>
     </p:extLst>
   </p:cSld>
   <p:clrMapOvr>
     <a:masterClrMapping/>
   </p:clrMapOvr>
-  <mc:AlternateContent xmlns:mc="http://schemas.openxmlformats.org/markup-compatibility/2006" xmlns:p14="http://schemas.microsoft.com/office/powerpoint/2010/main">
-    <mc:Choice Requires="p14">
+  <mc:AlternateContent xmlns:mc="http://schemas.openxmlformats.org/markup-compatibility/2006">
+    <mc:Choice xmlns:p14="http://schemas.microsoft.com/office/powerpoint/2010/main" xmlns="" Requires="p14">
       <p:transition p14:dur="0"/>
     </mc:Choice>
-    <mc:Fallback xmlns="">
+    <mc:Fallback>
       <p:transition/>
     </mc:Fallback>
   </mc:AlternateContent>
@@ -7364,7 +7389,7 @@
           <a:blip r:embed="rId2">
             <a:extLst>
               <a:ext uri="{28A0092B-C50C-407E-A947-70E740481C1C}">
-                <a14:useLocalDpi xmlns:a14="http://schemas.microsoft.com/office/drawing/2010/main" val="0"/>
+                <a14:useLocalDpi xmlns:a14="http://schemas.microsoft.com/office/drawing/2010/main" xmlns="" val="0"/>
               </a:ext>
             </a:extLst>
           </a:blip>
@@ -7385,18 +7410,18 @@
     </p:spTree>
     <p:extLst>
       <p:ext uri="{BB962C8B-B14F-4D97-AF65-F5344CB8AC3E}">
-        <p14:creationId xmlns:p14="http://schemas.microsoft.com/office/powerpoint/2010/main" val="4294958912"/>
+        <p14:creationId xmlns:p14="http://schemas.microsoft.com/office/powerpoint/2010/main" xmlns="" val="4294958912"/>
       </p:ext>
     </p:extLst>
   </p:cSld>
   <p:clrMapOvr>
     <a:masterClrMapping/>
   </p:clrMapOvr>
-  <mc:AlternateContent xmlns:mc="http://schemas.openxmlformats.org/markup-compatibility/2006" xmlns:p14="http://schemas.microsoft.com/office/powerpoint/2010/main">
-    <mc:Choice Requires="p14">
+  <mc:AlternateContent xmlns:mc="http://schemas.openxmlformats.org/markup-compatibility/2006">
+    <mc:Choice xmlns:p14="http://schemas.microsoft.com/office/powerpoint/2010/main" xmlns="" Requires="p14">
       <p:transition p14:dur="0"/>
     </mc:Choice>
-    <mc:Fallback xmlns="">
+    <mc:Fallback>
       <p:transition/>
     </mc:Fallback>
   </mc:AlternateContent>
@@ -7538,18 +7563,18 @@
     </p:spTree>
     <p:extLst>
       <p:ext uri="{BB962C8B-B14F-4D97-AF65-F5344CB8AC3E}">
-        <p14:creationId xmlns:p14="http://schemas.microsoft.com/office/powerpoint/2010/main" val="892012345"/>
+        <p14:creationId xmlns:p14="http://schemas.microsoft.com/office/powerpoint/2010/main" xmlns="" val="892012345"/>
       </p:ext>
     </p:extLst>
   </p:cSld>
   <p:clrMapOvr>
     <a:masterClrMapping/>
   </p:clrMapOvr>
-  <mc:AlternateContent xmlns:mc="http://schemas.openxmlformats.org/markup-compatibility/2006" xmlns:p14="http://schemas.microsoft.com/office/powerpoint/2010/main">
-    <mc:Choice Requires="p14">
+  <mc:AlternateContent xmlns:mc="http://schemas.openxmlformats.org/markup-compatibility/2006">
+    <mc:Choice xmlns:p14="http://schemas.microsoft.com/office/powerpoint/2010/main" xmlns="" Requires="p14">
       <p:transition p14:dur="0"/>
     </mc:Choice>
-    <mc:Fallback xmlns="">
+    <mc:Fallback>
       <p:transition/>
     </mc:Fallback>
   </mc:AlternateContent>
@@ -7701,7 +7726,7 @@
     </p:spTree>
     <p:extLst>
       <p:ext uri="{BB962C8B-B14F-4D97-AF65-F5344CB8AC3E}">
-        <p14:creationId xmlns:p14="http://schemas.microsoft.com/office/powerpoint/2010/main" val="1267227773"/>
+        <p14:creationId xmlns:p14="http://schemas.microsoft.com/office/powerpoint/2010/main" xmlns="" val="1267227773"/>
       </p:ext>
     </p:extLst>
   </p:cSld>
@@ -7853,7 +7878,7 @@
     </p:spTree>
     <p:extLst>
       <p:ext uri="{BB962C8B-B14F-4D97-AF65-F5344CB8AC3E}">
-        <p14:creationId xmlns:p14="http://schemas.microsoft.com/office/powerpoint/2010/main" val="4271011431"/>
+        <p14:creationId xmlns:p14="http://schemas.microsoft.com/office/powerpoint/2010/main" xmlns="" val="4271011431"/>
       </p:ext>
     </p:extLst>
   </p:cSld>
@@ -7941,7 +7966,7 @@
           <a:blip r:embed="rId2">
             <a:extLst>
               <a:ext uri="{28A0092B-C50C-407E-A947-70E740481C1C}">
-                <a14:useLocalDpi xmlns:a14="http://schemas.microsoft.com/office/drawing/2010/main" val="0"/>
+                <a14:useLocalDpi xmlns:a14="http://schemas.microsoft.com/office/drawing/2010/main" xmlns="" val="0"/>
               </a:ext>
             </a:extLst>
           </a:blip>
@@ -7962,7 +7987,7 @@
     </p:spTree>
     <p:extLst>
       <p:ext uri="{BB962C8B-B14F-4D97-AF65-F5344CB8AC3E}">
-        <p14:creationId xmlns:p14="http://schemas.microsoft.com/office/powerpoint/2010/main" val="2806118752"/>
+        <p14:creationId xmlns:p14="http://schemas.microsoft.com/office/powerpoint/2010/main" xmlns="" val="2806118752"/>
       </p:ext>
     </p:extLst>
   </p:cSld>
@@ -8057,13 +8082,8 @@
           <a:p>
             <a:r>
               <a:rPr lang="en-US" dirty="0" smtClean="0"/>
-              <a:t>NACA 0012 </a:t>
-            </a:r>
-            <a:r>
-              <a:rPr lang="en-US" dirty="0" smtClean="0"/>
-              <a:t>Optimization Problem</a:t>
-            </a:r>
-            <a:endParaRPr lang="en-US" dirty="0" smtClean="0"/>
+              <a:t>NACA 0012 Optimization Problem</a:t>
+            </a:r>
           </a:p>
         </p:txBody>
       </p:sp>
@@ -8290,18 +8310,18 @@
     </p:spTree>
     <p:extLst>
       <p:ext uri="{BB962C8B-B14F-4D97-AF65-F5344CB8AC3E}">
-        <p14:creationId xmlns:p14="http://schemas.microsoft.com/office/powerpoint/2010/main" val="4136505809"/>
+        <p14:creationId xmlns:p14="http://schemas.microsoft.com/office/powerpoint/2010/main" xmlns="" val="4136505809"/>
       </p:ext>
     </p:extLst>
   </p:cSld>
   <p:clrMapOvr>
     <a:masterClrMapping/>
   </p:clrMapOvr>
-  <mc:AlternateContent xmlns:mc="http://schemas.openxmlformats.org/markup-compatibility/2006" xmlns:p14="http://schemas.microsoft.com/office/powerpoint/2010/main">
-    <mc:Choice Requires="p14">
+  <mc:AlternateContent xmlns:mc="http://schemas.openxmlformats.org/markup-compatibility/2006">
+    <mc:Choice xmlns:p14="http://schemas.microsoft.com/office/powerpoint/2010/main" xmlns="" Requires="p14">
       <p:transition p14:dur="0"/>
     </mc:Choice>
-    <mc:Fallback xmlns="">
+    <mc:Fallback>
       <p:transition/>
     </mc:Fallback>
   </mc:AlternateContent>
@@ -8666,18 +8686,18 @@
     </p:spTree>
     <p:extLst>
       <p:ext uri="{BB962C8B-B14F-4D97-AF65-F5344CB8AC3E}">
-        <p14:creationId xmlns:p14="http://schemas.microsoft.com/office/powerpoint/2010/main" val="3065474459"/>
+        <p14:creationId xmlns:p14="http://schemas.microsoft.com/office/powerpoint/2010/main" xmlns="" val="3065474459"/>
       </p:ext>
     </p:extLst>
   </p:cSld>
   <p:clrMapOvr>
     <a:masterClrMapping/>
   </p:clrMapOvr>
-  <mc:AlternateContent xmlns:mc="http://schemas.openxmlformats.org/markup-compatibility/2006" xmlns:p14="http://schemas.microsoft.com/office/powerpoint/2010/main">
-    <mc:Choice Requires="p14">
+  <mc:AlternateContent xmlns:mc="http://schemas.openxmlformats.org/markup-compatibility/2006">
+    <mc:Choice xmlns:p14="http://schemas.microsoft.com/office/powerpoint/2010/main" xmlns="" Requires="p14">
       <p:transition p14:dur="0"/>
     </mc:Choice>
-    <mc:Fallback xmlns="">
+    <mc:Fallback>
       <p:transition/>
     </mc:Fallback>
   </mc:AlternateContent>
@@ -8845,11 +8865,11 @@
   <p:clrMapOvr>
     <a:masterClrMapping/>
   </p:clrMapOvr>
-  <mc:AlternateContent xmlns:mc="http://schemas.openxmlformats.org/markup-compatibility/2006" xmlns:p14="http://schemas.microsoft.com/office/powerpoint/2010/main">
-    <mc:Choice Requires="p14">
+  <mc:AlternateContent xmlns:mc="http://schemas.openxmlformats.org/markup-compatibility/2006">
+    <mc:Choice xmlns:p14="http://schemas.microsoft.com/office/powerpoint/2010/main" xmlns="" Requires="p14">
       <p:transition p14:dur="0"/>
     </mc:Choice>
-    <mc:Fallback xmlns="">
+    <mc:Fallback>
       <p:transition/>
     </mc:Fallback>
   </mc:AlternateContent>
@@ -9051,11 +9071,11 @@
   <p:clrMapOvr>
     <a:masterClrMapping/>
   </p:clrMapOvr>
-  <mc:AlternateContent xmlns:mc="http://schemas.openxmlformats.org/markup-compatibility/2006" xmlns:p14="http://schemas.microsoft.com/office/powerpoint/2010/main">
-    <mc:Choice Requires="p14">
+  <mc:AlternateContent xmlns:mc="http://schemas.openxmlformats.org/markup-compatibility/2006">
+    <mc:Choice xmlns:p14="http://schemas.microsoft.com/office/powerpoint/2010/main" xmlns="" Requires="p14">
       <p:transition p14:dur="0"/>
     </mc:Choice>
-    <mc:Fallback xmlns="">
+    <mc:Fallback>
       <p:transition/>
     </mc:Fallback>
   </mc:AlternateContent>
